--- a/Wk2/goal3_assign_debug_v2/Bug Scope_flowchart_Updated.pptx
+++ b/Wk2/goal3_assign_debug_v2/Bug Scope_flowchart_Updated.pptx
@@ -4217,15 +4217,7 @@
                   <a:srgbClr val="000000"/>
                 </a:solidFill>
               </a:rPr>
-              <a:t>User Clicks </a:t>
-            </a:r>
-            <a:r>
-              <a:rPr lang="en-US" sz="1200" dirty="0" smtClean="0">
-                <a:solidFill>
-                  <a:srgbClr val="000000"/>
-                </a:solidFill>
-              </a:rPr>
-              <a:t>Go</a:t>
+              <a:t>User Clicks Go</a:t>
             </a:r>
             <a:endParaRPr lang="en-US" sz="1200" dirty="0">
               <a:solidFill>
@@ -4373,31 +4365,7 @@
                   <a:srgbClr val="000000"/>
                 </a:solidFill>
               </a:rPr>
-              <a:t>If no </a:t>
-            </a:r>
-            <a:r>
-              <a:rPr lang="en-US" sz="1600" dirty="0" smtClean="0">
-                <a:solidFill>
-                  <a:srgbClr val="000000"/>
-                </a:solidFill>
-              </a:rPr>
-              <a:t>match </a:t>
-            </a:r>
-            <a:r>
-              <a:rPr lang="en-US" sz="1600" dirty="0" smtClean="0">
-                <a:solidFill>
-                  <a:srgbClr val="000000"/>
-                </a:solidFill>
-              </a:rPr>
-              <a:t>found </a:t>
-            </a:r>
-            <a:r>
-              <a:rPr lang="en-US" sz="1600" dirty="0" smtClean="0">
-                <a:solidFill>
-                  <a:srgbClr val="000000"/>
-                </a:solidFill>
-              </a:rPr>
-              <a:t>print No results </a:t>
+              <a:t>If no match found print No results </a:t>
             </a:r>
             <a:endParaRPr lang="en-US" sz="1600" dirty="0">
               <a:solidFill>
@@ -4685,11 +4653,6 @@
               </a:rPr>
               <a:t>Your search query is too small, try again.</a:t>
             </a:r>
-            <a:endParaRPr lang="en-US" sz="1200" dirty="0">
-              <a:solidFill>
-                <a:srgbClr val="000000"/>
-              </a:solidFill>
-            </a:endParaRPr>
           </a:p>
         </p:txBody>
       </p:sp>
@@ -4719,7 +4682,6 @@
               <a:rPr lang="en-US" dirty="0"/>
               <a:t>IF</a:t>
             </a:r>
-            <a:endParaRPr lang="en-US" dirty="0"/>
           </a:p>
         </p:txBody>
       </p:sp>
@@ -5173,7 +5135,6 @@
               <a:rPr lang="en-US" dirty="0"/>
               <a:t>IF</a:t>
             </a:r>
-            <a:endParaRPr lang="en-US" dirty="0"/>
           </a:p>
         </p:txBody>
       </p:sp>

--- a/Wk2/goal3_assign_debug_v2/Bug Scope_flowchart_Updated.pptx
+++ b/Wk2/goal3_assign_debug_v2/Bug Scope_flowchart_Updated.pptx
@@ -289,7 +289,7 @@
           <a:p>
             <a:fld id="{37407710-B05E-4F4C-94B8-08B605C9C57D}" type="datetimeFigureOut">
               <a:rPr lang="en-US" smtClean="0"/>
-              <a:t>12/5/14</a:t>
+              <a:t>12/12/14</a:t>
             </a:fld>
             <a:endParaRPr lang="en-US"/>
           </a:p>
@@ -459,7 +459,7 @@
           <a:p>
             <a:fld id="{37407710-B05E-4F4C-94B8-08B605C9C57D}" type="datetimeFigureOut">
               <a:rPr lang="en-US" smtClean="0"/>
-              <a:t>12/5/14</a:t>
+              <a:t>12/12/14</a:t>
             </a:fld>
             <a:endParaRPr lang="en-US"/>
           </a:p>
@@ -639,7 +639,7 @@
           <a:p>
             <a:fld id="{37407710-B05E-4F4C-94B8-08B605C9C57D}" type="datetimeFigureOut">
               <a:rPr lang="en-US" smtClean="0"/>
-              <a:t>12/5/14</a:t>
+              <a:t>12/12/14</a:t>
             </a:fld>
             <a:endParaRPr lang="en-US"/>
           </a:p>
@@ -809,7 +809,7 @@
           <a:p>
             <a:fld id="{37407710-B05E-4F4C-94B8-08B605C9C57D}" type="datetimeFigureOut">
               <a:rPr lang="en-US" smtClean="0"/>
-              <a:t>12/5/14</a:t>
+              <a:t>12/12/14</a:t>
             </a:fld>
             <a:endParaRPr lang="en-US"/>
           </a:p>
@@ -1055,7 +1055,7 @@
           <a:p>
             <a:fld id="{37407710-B05E-4F4C-94B8-08B605C9C57D}" type="datetimeFigureOut">
               <a:rPr lang="en-US" smtClean="0"/>
-              <a:t>12/5/14</a:t>
+              <a:t>12/12/14</a:t>
             </a:fld>
             <a:endParaRPr lang="en-US"/>
           </a:p>
@@ -1343,7 +1343,7 @@
           <a:p>
             <a:fld id="{37407710-B05E-4F4C-94B8-08B605C9C57D}" type="datetimeFigureOut">
               <a:rPr lang="en-US" smtClean="0"/>
-              <a:t>12/5/14</a:t>
+              <a:t>12/12/14</a:t>
             </a:fld>
             <a:endParaRPr lang="en-US"/>
           </a:p>
@@ -1765,7 +1765,7 @@
           <a:p>
             <a:fld id="{37407710-B05E-4F4C-94B8-08B605C9C57D}" type="datetimeFigureOut">
               <a:rPr lang="en-US" smtClean="0"/>
-              <a:t>12/5/14</a:t>
+              <a:t>12/12/14</a:t>
             </a:fld>
             <a:endParaRPr lang="en-US"/>
           </a:p>
@@ -1883,7 +1883,7 @@
           <a:p>
             <a:fld id="{37407710-B05E-4F4C-94B8-08B605C9C57D}" type="datetimeFigureOut">
               <a:rPr lang="en-US" smtClean="0"/>
-              <a:t>12/5/14</a:t>
+              <a:t>12/12/14</a:t>
             </a:fld>
             <a:endParaRPr lang="en-US"/>
           </a:p>
@@ -1978,7 +1978,7 @@
           <a:p>
             <a:fld id="{37407710-B05E-4F4C-94B8-08B605C9C57D}" type="datetimeFigureOut">
               <a:rPr lang="en-US" smtClean="0"/>
-              <a:t>12/5/14</a:t>
+              <a:t>12/12/14</a:t>
             </a:fld>
             <a:endParaRPr lang="en-US"/>
           </a:p>
@@ -2255,7 +2255,7 @@
           <a:p>
             <a:fld id="{37407710-B05E-4F4C-94B8-08B605C9C57D}" type="datetimeFigureOut">
               <a:rPr lang="en-US" smtClean="0"/>
-              <a:t>12/5/14</a:t>
+              <a:t>12/12/14</a:t>
             </a:fld>
             <a:endParaRPr lang="en-US"/>
           </a:p>
@@ -2508,7 +2508,7 @@
           <a:p>
             <a:fld id="{37407710-B05E-4F4C-94B8-08B605C9C57D}" type="datetimeFigureOut">
               <a:rPr lang="en-US" smtClean="0"/>
-              <a:t>12/5/14</a:t>
+              <a:t>12/12/14</a:t>
             </a:fld>
             <a:endParaRPr lang="en-US"/>
           </a:p>
@@ -2721,7 +2721,7 @@
           <a:p>
             <a:fld id="{37407710-B05E-4F4C-94B8-08B605C9C57D}" type="datetimeFigureOut">
               <a:rPr lang="en-US" smtClean="0"/>
-              <a:t>12/5/14</a:t>
+              <a:t>12/12/14</a:t>
             </a:fld>
             <a:endParaRPr lang="en-US"/>
           </a:p>
